--- a/multibuild/v1.2/assets/consent/consent.pptx
+++ b/multibuild/v1.2/assets/consent/consent.pptx
@@ -246,7 +246,7 @@
           <a:p>
             <a:fld id="{7252F9F5-477A-4B20-84CE-30B0810F8384}" type="datetimeFigureOut">
               <a:rPr lang="he-IL" smtClean="0"/>
-              <a:t>י"ב/טבת/תשפ"ב</a:t>
+              <a:t>כ"ו/כסלו/תשפ"ג</a:t>
             </a:fld>
             <a:endParaRPr lang="he-IL"/>
           </a:p>
@@ -416,7 +416,7 @@
           <a:p>
             <a:fld id="{7252F9F5-477A-4B20-84CE-30B0810F8384}" type="datetimeFigureOut">
               <a:rPr lang="he-IL" smtClean="0"/>
-              <a:t>י"ב/טבת/תשפ"ב</a:t>
+              <a:t>כ"ו/כסלו/תשפ"ג</a:t>
             </a:fld>
             <a:endParaRPr lang="he-IL"/>
           </a:p>
@@ -596,7 +596,7 @@
           <a:p>
             <a:fld id="{7252F9F5-477A-4B20-84CE-30B0810F8384}" type="datetimeFigureOut">
               <a:rPr lang="he-IL" smtClean="0"/>
-              <a:t>י"ב/טבת/תשפ"ב</a:t>
+              <a:t>כ"ו/כסלו/תשפ"ג</a:t>
             </a:fld>
             <a:endParaRPr lang="he-IL"/>
           </a:p>
@@ -766,7 +766,7 @@
           <a:p>
             <a:fld id="{7252F9F5-477A-4B20-84CE-30B0810F8384}" type="datetimeFigureOut">
               <a:rPr lang="he-IL" smtClean="0"/>
-              <a:t>י"ב/טבת/תשפ"ב</a:t>
+              <a:t>כ"ו/כסלו/תשפ"ג</a:t>
             </a:fld>
             <a:endParaRPr lang="he-IL"/>
           </a:p>
@@ -1012,7 +1012,7 @@
           <a:p>
             <a:fld id="{7252F9F5-477A-4B20-84CE-30B0810F8384}" type="datetimeFigureOut">
               <a:rPr lang="he-IL" smtClean="0"/>
-              <a:t>י"ב/טבת/תשפ"ב</a:t>
+              <a:t>כ"ו/כסלו/תשפ"ג</a:t>
             </a:fld>
             <a:endParaRPr lang="he-IL"/>
           </a:p>
@@ -1244,7 +1244,7 @@
           <a:p>
             <a:fld id="{7252F9F5-477A-4B20-84CE-30B0810F8384}" type="datetimeFigureOut">
               <a:rPr lang="he-IL" smtClean="0"/>
-              <a:t>י"ב/טבת/תשפ"ב</a:t>
+              <a:t>כ"ו/כסלו/תשפ"ג</a:t>
             </a:fld>
             <a:endParaRPr lang="he-IL"/>
           </a:p>
@@ -1611,7 +1611,7 @@
           <a:p>
             <a:fld id="{7252F9F5-477A-4B20-84CE-30B0810F8384}" type="datetimeFigureOut">
               <a:rPr lang="he-IL" smtClean="0"/>
-              <a:t>י"ב/טבת/תשפ"ב</a:t>
+              <a:t>כ"ו/כסלו/תשפ"ג</a:t>
             </a:fld>
             <a:endParaRPr lang="he-IL"/>
           </a:p>
@@ -1729,7 +1729,7 @@
           <a:p>
             <a:fld id="{7252F9F5-477A-4B20-84CE-30B0810F8384}" type="datetimeFigureOut">
               <a:rPr lang="he-IL" smtClean="0"/>
-              <a:t>י"ב/טבת/תשפ"ב</a:t>
+              <a:t>כ"ו/כסלו/תשפ"ג</a:t>
             </a:fld>
             <a:endParaRPr lang="he-IL"/>
           </a:p>
@@ -1824,7 +1824,7 @@
           <a:p>
             <a:fld id="{7252F9F5-477A-4B20-84CE-30B0810F8384}" type="datetimeFigureOut">
               <a:rPr lang="he-IL" smtClean="0"/>
-              <a:t>י"ב/טבת/תשפ"ב</a:t>
+              <a:t>כ"ו/כסלו/תשפ"ג</a:t>
             </a:fld>
             <a:endParaRPr lang="he-IL"/>
           </a:p>
@@ -2101,7 +2101,7 @@
           <a:p>
             <a:fld id="{7252F9F5-477A-4B20-84CE-30B0810F8384}" type="datetimeFigureOut">
               <a:rPr lang="he-IL" smtClean="0"/>
-              <a:t>י"ב/טבת/תשפ"ב</a:t>
+              <a:t>כ"ו/כסלו/תשפ"ג</a:t>
             </a:fld>
             <a:endParaRPr lang="he-IL"/>
           </a:p>
@@ -2354,7 +2354,7 @@
           <a:p>
             <a:fld id="{7252F9F5-477A-4B20-84CE-30B0810F8384}" type="datetimeFigureOut">
               <a:rPr lang="he-IL" smtClean="0"/>
-              <a:t>י"ב/טבת/תשפ"ב</a:t>
+              <a:t>כ"ו/כסלו/תשפ"ג</a:t>
             </a:fld>
             <a:endParaRPr lang="he-IL"/>
           </a:p>
@@ -2567,7 +2567,7 @@
           <a:p>
             <a:fld id="{7252F9F5-477A-4B20-84CE-30B0810F8384}" type="datetimeFigureOut">
               <a:rPr lang="he-IL" smtClean="0"/>
-              <a:t>י"ב/טבת/תשפ"ב</a:t>
+              <a:t>כ"ו/כסלו/תשפ"ג</a:t>
             </a:fld>
             <a:endParaRPr lang="he-IL"/>
           </a:p>
@@ -3007,23 +3007,7 @@
                   <a:schemeClr val="bg1"/>
                 </a:solidFill>
               </a:rPr>
-              <a:t>שלום ותודה על </a:t>
-            </a:r>
-            <a:r>
-              <a:rPr lang="he-IL" dirty="0" smtClean="0">
-                <a:solidFill>
-                  <a:schemeClr val="bg1"/>
-                </a:solidFill>
-              </a:rPr>
-              <a:t>נכונותך </a:t>
-            </a:r>
-            <a:r>
-              <a:rPr lang="he-IL" dirty="0">
-                <a:solidFill>
-                  <a:schemeClr val="bg1"/>
-                </a:solidFill>
-              </a:rPr>
-              <a:t>להשתתף בניסוי!</a:t>
+              <a:t>שלום ותודה על נכונותך להשתתף בניסוי!</a:t>
             </a:r>
           </a:p>
         </p:txBody>
@@ -3054,20 +3038,12 @@
               <a:buNone/>
             </a:pPr>
             <a:r>
-              <a:rPr lang="he-IL" dirty="0" smtClean="0">
-                <a:solidFill>
-                  <a:schemeClr val="bg1"/>
-                </a:solidFill>
-              </a:rPr>
-              <a:t>הקריטריונים </a:t>
-            </a:r>
-            <a:r>
               <a:rPr lang="he-IL" dirty="0">
                 <a:solidFill>
                   <a:schemeClr val="bg1"/>
                 </a:solidFill>
               </a:rPr>
-              <a:t>להשתתפות בניסוי הם:</a:t>
+              <a:t>הקריטריונים להשתתפות בניסוי הם:</a:t>
             </a:r>
             <a:endParaRPr lang="en-US" dirty="0">
               <a:solidFill>
@@ -3131,21 +3107,13 @@
                   <a:schemeClr val="bg1"/>
                 </a:solidFill>
               </a:rPr>
-              <a:t>ללא עבר של מחלות נוירולוגיות או </a:t>
-            </a:r>
-            <a:r>
-              <a:rPr lang="he-IL" dirty="0" smtClean="0">
-                <a:solidFill>
-                  <a:schemeClr val="bg1"/>
-                </a:solidFill>
-              </a:rPr>
-              <a:t>פסיכיאטריות</a:t>
+              <a:t>ללא עבר של מחלות נוירולוגיות או פסיכיאטריות</a:t>
             </a:r>
           </a:p>
           <a:p>
             <a:pPr algn="r" rtl="1"/>
             <a:r>
-              <a:rPr lang="he-IL" dirty="0" smtClean="0">
+              <a:rPr lang="he-IL" dirty="0">
                 <a:solidFill>
                   <a:schemeClr val="bg1"/>
                 </a:solidFill>
@@ -3301,25 +3269,38 @@
                   <a:schemeClr val="bg1"/>
                 </a:solidFill>
               </a:rPr>
-              <a:t>בניסוי זה, אנו רוצים לבחון כיצד המח מקודד סינכרון בין אנשים. אך לפני שאנו עוברים למח, בשלב הראשון אנו רוצים לדעת </a:t>
-            </a:r>
-            <a:r>
-              <a:rPr lang="he-IL" dirty="0" smtClean="0">
-                <a:solidFill>
-                  <a:schemeClr val="bg1"/>
-                </a:solidFill>
-              </a:rPr>
-              <a:t>האם אנשים </a:t>
-            </a:r>
+              <a:t>בניסוי זה, אנו רוצים לבחון כיצד המח מקודד סינכרון בין אנשים. אך לפני שאנו עוברים למח, בשלב הראשון אנו רוצים לדעת האם אנשים שונים חווים ומבינים אינטראקציות חברתיות באופן דומה. </a:t>
+            </a:r>
+            <a:endParaRPr lang="en-US" dirty="0">
+              <a:solidFill>
+                <a:schemeClr val="bg1"/>
+              </a:solidFill>
+            </a:endParaRPr>
+          </a:p>
+          <a:p>
+            <a:pPr marL="0" indent="0" algn="just" rtl="1">
+              <a:lnSpc>
+                <a:spcPct val="100000"/>
+              </a:lnSpc>
+              <a:buNone/>
+            </a:pPr>
             <a:r>
               <a:rPr lang="he-IL" dirty="0">
                 <a:solidFill>
                   <a:schemeClr val="bg1"/>
                 </a:solidFill>
               </a:rPr>
-              <a:t>שונים חווים ומבינים אינטראקציות חברתיות באופן דומה. </a:t>
-            </a:r>
-            <a:endParaRPr lang="en-US" dirty="0">
+              <a:t>לשם כך, נבחן את החוויה שלך בעת צפיה באינטראקציה חברתית. </a:t>
+            </a:r>
+          </a:p>
+          <a:p>
+            <a:pPr marL="0" indent="0" algn="just" rtl="1">
+              <a:lnSpc>
+                <a:spcPct val="100000"/>
+              </a:lnSpc>
+              <a:buNone/>
+            </a:pPr>
+            <a:endParaRPr lang="he-IL" dirty="0">
               <a:solidFill>
                 <a:schemeClr val="bg1"/>
               </a:solidFill>
@@ -3338,65 +3319,7 @@
                   <a:schemeClr val="bg1"/>
                 </a:solidFill>
               </a:rPr>
-              <a:t>לשם כך, </a:t>
-            </a:r>
-            <a:r>
-              <a:rPr lang="he-IL" dirty="0" smtClean="0">
-                <a:solidFill>
-                  <a:schemeClr val="bg1"/>
-                </a:solidFill>
-              </a:rPr>
-              <a:t>נבחן </a:t>
-            </a:r>
-            <a:r>
-              <a:rPr lang="he-IL" dirty="0">
-                <a:solidFill>
-                  <a:schemeClr val="bg1"/>
-                </a:solidFill>
-              </a:rPr>
-              <a:t>את החוויה שלך בעת צפיה באינטראקציה חברתית. </a:t>
-            </a:r>
-            <a:endParaRPr lang="he-IL" dirty="0" smtClean="0">
-              <a:solidFill>
-                <a:schemeClr val="bg1"/>
-              </a:solidFill>
-            </a:endParaRPr>
-          </a:p>
-          <a:p>
-            <a:pPr marL="0" indent="0" algn="just" rtl="1">
-              <a:lnSpc>
-                <a:spcPct val="100000"/>
-              </a:lnSpc>
-              <a:buNone/>
-            </a:pPr>
-            <a:endParaRPr lang="he-IL" dirty="0" smtClean="0">
-              <a:solidFill>
-                <a:schemeClr val="bg1"/>
-              </a:solidFill>
-            </a:endParaRPr>
-          </a:p>
-          <a:p>
-            <a:pPr marL="0" indent="0" algn="just" rtl="1">
-              <a:lnSpc>
-                <a:spcPct val="100000"/>
-              </a:lnSpc>
-              <a:buNone/>
-            </a:pPr>
-            <a:r>
-              <a:rPr lang="he-IL" dirty="0" smtClean="0">
-                <a:solidFill>
-                  <a:schemeClr val="bg1"/>
-                </a:solidFill>
-              </a:rPr>
-              <a:t>בניסוי </a:t>
-            </a:r>
-            <a:r>
-              <a:rPr lang="he-IL" dirty="0">
-                <a:solidFill>
-                  <a:schemeClr val="bg1"/>
-                </a:solidFill>
-              </a:rPr>
-              <a:t>תתבקש\י לצפות בקטעים מתוך סרטי קולנוע וטלוויזיה ולדרג את מידת הסנכרון בין הדמויות, הרגש בינהן או מידת ההזדהות שלך איתן. לפני כל דרוג, יהיה הסבר מפורט על המדד ואיך לדרג אותו. </a:t>
+              <a:t>בניסוי תתבקש\י לצפות בקטעים מתוך סרטי קולנוע וטלוויזיה ולדרג את מידת הסנכרון בין הדמויות, הרגש בינהן או מידת ההזדהות שלך איתן. לפני כל דרוג, יהיה הסבר מפורט על המדד ואיך לדרג אותו. </a:t>
             </a:r>
             <a:endParaRPr lang="en-US" dirty="0">
               <a:solidFill>
@@ -3510,19 +3433,6 @@
               </a:rPr>
               <a:t>הדירוג נעשה באופן קל ופשוט בעזרת הזזת עכבר המחשב שלך. נבקש ממך לתת לנו מספר פרטים אישיים אודותיך (גיל, מין, תאריך לידה, השכלה קודמת) אך אין צורך לתת שום פרט מזהה. </a:t>
             </a:r>
-            <a:endParaRPr lang="he-IL" dirty="0" smtClean="0">
-              <a:solidFill>
-                <a:schemeClr val="bg1"/>
-              </a:solidFill>
-            </a:endParaRPr>
-          </a:p>
-          <a:p>
-            <a:pPr marL="0" indent="0" algn="just" rtl="1">
-              <a:lnSpc>
-                <a:spcPct val="100000"/>
-              </a:lnSpc>
-              <a:buNone/>
-            </a:pPr>
             <a:endParaRPr lang="en-US" dirty="0">
               <a:solidFill>
                 <a:schemeClr val="bg1"/>
@@ -3537,20 +3447,28 @@
               <a:buNone/>
             </a:pPr>
             <a:r>
-              <a:rPr lang="he-IL" dirty="0" smtClean="0">
-                <a:solidFill>
-                  <a:schemeClr val="bg1"/>
-                </a:solidFill>
-              </a:rPr>
-              <a:t>ניתן להפסיק </a:t>
-            </a:r>
-            <a:r>
               <a:rPr lang="he-IL" dirty="0">
                 <a:solidFill>
                   <a:schemeClr val="bg1"/>
                 </a:solidFill>
               </a:rPr>
-              <a:t>בכל שלב את השתתפותך בניסוי. אך אנו נוכל להשתמש רק במידע מניסויים שהושלמו לצורך המחקר. משך הניסוי הצפוי הוא כ15 דקות.</a:t>
+              <a:t>ניתן להפסיק בכל שלב את השתתפותך בניסוי. אך אנו נוכל להשתמש רק במידע מניסויים שהושלמו לצורך המחקר. משך הניסוי הצפוי הוא כ</a:t>
+            </a:r>
+            <a:r>
+              <a:rPr lang="en-US" dirty="0">
+                <a:solidFill>
+                  <a:schemeClr val="bg1"/>
+                </a:solidFill>
+              </a:rPr>
+              <a:t>40</a:t>
+            </a:r>
+            <a:r>
+              <a:rPr lang="he-IL" dirty="0">
+                <a:solidFill>
+                  <a:schemeClr val="bg1"/>
+                </a:solidFill>
+              </a:rPr>
+              <a:t> דקות.</a:t>
             </a:r>
             <a:endParaRPr lang="en-US" dirty="0">
               <a:solidFill>
@@ -3571,7 +3489,23 @@
                   <a:schemeClr val="bg1"/>
                 </a:solidFill>
               </a:rPr>
-              <a:t>קטעי הסרטים אינם מכילים סצנות אלימות או עם תוכן מיני.</a:t>
+              <a:t>ייתכן שהסרט יכלול קטעים בהם יש עירום חלקי / שימוש בחומרים ממכרים / אלימות (כל הסרטים מאושרים </a:t>
+            </a:r>
+            <a:r>
+              <a:rPr lang="he-IL" dirty="0" err="1">
+                <a:solidFill>
+                  <a:schemeClr val="bg1"/>
+                </a:solidFill>
+              </a:rPr>
+              <a:t>לצפיה</a:t>
+            </a:r>
+            <a:r>
+              <a:rPr lang="he-IL" dirty="0">
+                <a:solidFill>
+                  <a:schemeClr val="bg1"/>
+                </a:solidFill>
+              </a:rPr>
+              <a:t> בקולנוע מגיל 13 ומעלה). </a:t>
             </a:r>
             <a:endParaRPr lang="en-US" dirty="0">
               <a:solidFill>
@@ -3580,10 +3514,11 @@
             </a:endParaRPr>
           </a:p>
           <a:p>
-            <a:pPr algn="just">
+            <a:pPr marL="0" indent="0" algn="just">
               <a:lnSpc>
                 <a:spcPct val="100000"/>
               </a:lnSpc>
+              <a:buNone/>
             </a:pPr>
             <a:endParaRPr lang="he-IL" dirty="0"/>
           </a:p>
@@ -3669,7 +3604,7 @@
         </p:nvSpPr>
         <p:spPr>
           <a:xfrm>
-            <a:off x="1907177" y="775688"/>
+            <a:off x="1907177" y="275190"/>
             <a:ext cx="8377645" cy="4494619"/>
           </a:xfrm>
         </p:spPr>
@@ -3691,23 +3626,7 @@
                   <a:schemeClr val="bg1"/>
                 </a:solidFill>
               </a:rPr>
-              <a:t>בכל בעיה הקשורה לניסוי </a:t>
-            </a:r>
-            <a:r>
-              <a:rPr lang="he-IL" dirty="0" smtClean="0">
-                <a:solidFill>
-                  <a:schemeClr val="bg1"/>
-                </a:solidFill>
-              </a:rPr>
-              <a:t>ניתן לפנות </a:t>
-            </a:r>
-            <a:r>
-              <a:rPr lang="he-IL" dirty="0">
-                <a:solidFill>
-                  <a:schemeClr val="bg1"/>
-                </a:solidFill>
-              </a:rPr>
-              <a:t>לד"ר עדי יניב </a:t>
+              <a:t>בכל בעיה הקשורה לניסוי ניתן לפנות לד"ר עדי יניב </a:t>
             </a:r>
             <a:r>
               <a:rPr lang="en-US" dirty="0">
@@ -3731,23 +3650,7 @@
                   <a:schemeClr val="bg1"/>
                 </a:solidFill>
               </a:rPr>
-              <a:t> </a:t>
-            </a:r>
-            <a:r>
-              <a:rPr lang="en-US" dirty="0" smtClean="0">
-                <a:solidFill>
-                  <a:schemeClr val="bg1"/>
-                </a:solidFill>
-              </a:rPr>
-              <a:t>adi.ulmeryaniv@post.idc.ac.il</a:t>
-            </a:r>
-            <a:r>
-              <a:rPr lang="he-IL" dirty="0" smtClean="0">
-                <a:solidFill>
-                  <a:schemeClr val="bg1"/>
-                </a:solidFill>
-              </a:rPr>
-              <a:t> לשאלות </a:t>
+              <a:t> adi.ulmeryaniv@post.idc.ac.il</a:t>
             </a:r>
             <a:r>
               <a:rPr lang="he-IL" dirty="0">
@@ -3755,7 +3658,7 @@
                   <a:schemeClr val="bg1"/>
                 </a:solidFill>
               </a:rPr>
-              <a:t>או להתייעצות נוספת.</a:t>
+              <a:t> לשאלות או להתייעצות נוספת.</a:t>
             </a:r>
             <a:endParaRPr lang="en-US" dirty="0">
               <a:solidFill>
@@ -3776,37 +3679,8 @@
                   <a:schemeClr val="bg1"/>
                 </a:solidFill>
               </a:rPr>
-              <a:t>המחקר </a:t>
-            </a:r>
-            <a:r>
-              <a:rPr lang="he-IL" dirty="0" smtClean="0">
-                <a:solidFill>
-                  <a:schemeClr val="bg1"/>
-                </a:solidFill>
-              </a:rPr>
-              <a:t>אושר ע"י וועדת </a:t>
-            </a:r>
-            <a:r>
-              <a:rPr lang="he-IL" dirty="0">
-                <a:solidFill>
-                  <a:schemeClr val="bg1"/>
-                </a:solidFill>
-              </a:rPr>
-              <a:t>האתיקה של בית הספר לפסיכולוגיה, ע"ש ברוך איבצ'ר באוניברסיטת רייכמן (המרכז הבינתחומי), הרצליה. </a:t>
-            </a:r>
-            <a:endParaRPr lang="he-IL" dirty="0" smtClean="0">
-              <a:solidFill>
-                <a:schemeClr val="bg1"/>
-              </a:solidFill>
-            </a:endParaRPr>
-          </a:p>
-          <a:p>
-            <a:pPr marL="0" indent="0" algn="r" rtl="1">
-              <a:lnSpc>
-                <a:spcPct val="100000"/>
-              </a:lnSpc>
-              <a:buNone/>
-            </a:pPr>
+              <a:t>המחקר אושר ע"י וועדת האתיקה של בית הספר לפסיכולוגיה, ע"ש ברוך איבצ'ר באוניברסיטת רייכמן (המרכז הבינתחומי), הרצליה. </a:t>
+            </a:r>
             <a:endParaRPr lang="en-US" dirty="0">
               <a:solidFill>
                 <a:schemeClr val="bg1"/>
@@ -3821,20 +3695,28 @@
               <a:buNone/>
             </a:pPr>
             <a:r>
-              <a:rPr lang="he-IL" dirty="0" smtClean="0">
-                <a:solidFill>
-                  <a:srgbClr val="FF0000"/>
-                </a:solidFill>
-              </a:rPr>
-              <a:t>בסימון התיבה מימין הנני </a:t>
-            </a:r>
-            <a:r>
               <a:rPr lang="he-IL" dirty="0">
                 <a:solidFill>
                   <a:srgbClr val="FF0000"/>
                 </a:solidFill>
               </a:rPr>
-              <a:t>מצהיר/ה בזה כי את הסכמתי הנ"ל נתתי מרצוני החופשי וכי הבינותי את כל האמור לעיל.</a:t>
+              <a:t>בסימון התיבה מימין הנני מאשר/ת שאני עומד/ת בקריטריונים להשתתפות בניסוי במלואם ואני מצהיר/ה בזה כי הבנתי את כל האמור לעיל ואני </a:t>
+            </a:r>
+            <a:r>
+              <a:rPr lang="he-IL" dirty="0" err="1">
+                <a:solidFill>
+                  <a:srgbClr val="FF0000"/>
+                </a:solidFill>
+              </a:rPr>
+              <a:t>מסכימ</a:t>
+            </a:r>
+            <a:r>
+              <a:rPr lang="he-IL" dirty="0">
+                <a:solidFill>
+                  <a:srgbClr val="FF0000"/>
+                </a:solidFill>
+              </a:rPr>
+              <a:t>/ה להשתתף בניסוי מרצוני החופשי.</a:t>
             </a:r>
           </a:p>
           <a:p>

--- a/multibuild/v1.2/assets/consent/consent.pptx
+++ b/multibuild/v1.2/assets/consent/consent.pptx
@@ -3452,15 +3452,15 @@
                   <a:schemeClr val="bg1"/>
                 </a:solidFill>
               </a:rPr>
-              <a:t>ניתן להפסיק בכל שלב את השתתפותך בניסוי. אך אנו נוכל להשתמש רק במידע מניסויים שהושלמו לצורך המחקר. משך הניסוי הצפוי הוא כ</a:t>
-            </a:r>
-            <a:r>
-              <a:rPr lang="en-US" dirty="0">
+              <a:t>ניתן להפסיק בכל שלב את השתתפותך בניסוי. אך אנו נוכל להשתמש רק במידע מניסויים שהושלמו לצורך המחקר. משך הניסוי הצפוי </a:t>
+            </a:r>
+            <a:r>
+              <a:rPr lang="he-IL">
                 <a:solidFill>
                   <a:schemeClr val="bg1"/>
                 </a:solidFill>
               </a:rPr>
-              <a:t>40</a:t>
+              <a:t>הוא כ- 15 דקות</a:t>
             </a:r>
             <a:r>
               <a:rPr lang="he-IL" dirty="0">
@@ -3468,7 +3468,7 @@
                   <a:schemeClr val="bg1"/>
                 </a:solidFill>
               </a:rPr>
-              <a:t> דקות.</a:t>
+              <a:t>.</a:t>
             </a:r>
             <a:endParaRPr lang="en-US" dirty="0">
               <a:solidFill>

--- a/multibuild/v1.2/assets/consent/consent.pptx
+++ b/multibuild/v1.2/assets/consent/consent.pptx
@@ -246,7 +246,7 @@
           <a:p>
             <a:fld id="{7252F9F5-477A-4B20-84CE-30B0810F8384}" type="datetimeFigureOut">
               <a:rPr lang="he-IL" smtClean="0"/>
-              <a:t>כ"ו/כסלו/תשפ"ג</a:t>
+              <a:t>כ"ז/כסלו/תשפ"ג</a:t>
             </a:fld>
             <a:endParaRPr lang="he-IL"/>
           </a:p>
@@ -416,7 +416,7 @@
           <a:p>
             <a:fld id="{7252F9F5-477A-4B20-84CE-30B0810F8384}" type="datetimeFigureOut">
               <a:rPr lang="he-IL" smtClean="0"/>
-              <a:t>כ"ו/כסלו/תשפ"ג</a:t>
+              <a:t>כ"ז/כסלו/תשפ"ג</a:t>
             </a:fld>
             <a:endParaRPr lang="he-IL"/>
           </a:p>
@@ -596,7 +596,7 @@
           <a:p>
             <a:fld id="{7252F9F5-477A-4B20-84CE-30B0810F8384}" type="datetimeFigureOut">
               <a:rPr lang="he-IL" smtClean="0"/>
-              <a:t>כ"ו/כסלו/תשפ"ג</a:t>
+              <a:t>כ"ז/כסלו/תשפ"ג</a:t>
             </a:fld>
             <a:endParaRPr lang="he-IL"/>
           </a:p>
@@ -766,7 +766,7 @@
           <a:p>
             <a:fld id="{7252F9F5-477A-4B20-84CE-30B0810F8384}" type="datetimeFigureOut">
               <a:rPr lang="he-IL" smtClean="0"/>
-              <a:t>כ"ו/כסלו/תשפ"ג</a:t>
+              <a:t>כ"ז/כסלו/תשפ"ג</a:t>
             </a:fld>
             <a:endParaRPr lang="he-IL"/>
           </a:p>
@@ -1012,7 +1012,7 @@
           <a:p>
             <a:fld id="{7252F9F5-477A-4B20-84CE-30B0810F8384}" type="datetimeFigureOut">
               <a:rPr lang="he-IL" smtClean="0"/>
-              <a:t>כ"ו/כסלו/תשפ"ג</a:t>
+              <a:t>כ"ז/כסלו/תשפ"ג</a:t>
             </a:fld>
             <a:endParaRPr lang="he-IL"/>
           </a:p>
@@ -1244,7 +1244,7 @@
           <a:p>
             <a:fld id="{7252F9F5-477A-4B20-84CE-30B0810F8384}" type="datetimeFigureOut">
               <a:rPr lang="he-IL" smtClean="0"/>
-              <a:t>כ"ו/כסלו/תשפ"ג</a:t>
+              <a:t>כ"ז/כסלו/תשפ"ג</a:t>
             </a:fld>
             <a:endParaRPr lang="he-IL"/>
           </a:p>
@@ -1611,7 +1611,7 @@
           <a:p>
             <a:fld id="{7252F9F5-477A-4B20-84CE-30B0810F8384}" type="datetimeFigureOut">
               <a:rPr lang="he-IL" smtClean="0"/>
-              <a:t>כ"ו/כסלו/תשפ"ג</a:t>
+              <a:t>כ"ז/כסלו/תשפ"ג</a:t>
             </a:fld>
             <a:endParaRPr lang="he-IL"/>
           </a:p>
@@ -1729,7 +1729,7 @@
           <a:p>
             <a:fld id="{7252F9F5-477A-4B20-84CE-30B0810F8384}" type="datetimeFigureOut">
               <a:rPr lang="he-IL" smtClean="0"/>
-              <a:t>כ"ו/כסלו/תשפ"ג</a:t>
+              <a:t>כ"ז/כסלו/תשפ"ג</a:t>
             </a:fld>
             <a:endParaRPr lang="he-IL"/>
           </a:p>
@@ -1824,7 +1824,7 @@
           <a:p>
             <a:fld id="{7252F9F5-477A-4B20-84CE-30B0810F8384}" type="datetimeFigureOut">
               <a:rPr lang="he-IL" smtClean="0"/>
-              <a:t>כ"ו/כסלו/תשפ"ג</a:t>
+              <a:t>כ"ז/כסלו/תשפ"ג</a:t>
             </a:fld>
             <a:endParaRPr lang="he-IL"/>
           </a:p>
@@ -2101,7 +2101,7 @@
           <a:p>
             <a:fld id="{7252F9F5-477A-4B20-84CE-30B0810F8384}" type="datetimeFigureOut">
               <a:rPr lang="he-IL" smtClean="0"/>
-              <a:t>כ"ו/כסלו/תשפ"ג</a:t>
+              <a:t>כ"ז/כסלו/תשפ"ג</a:t>
             </a:fld>
             <a:endParaRPr lang="he-IL"/>
           </a:p>
@@ -2354,7 +2354,7 @@
           <a:p>
             <a:fld id="{7252F9F5-477A-4B20-84CE-30B0810F8384}" type="datetimeFigureOut">
               <a:rPr lang="he-IL" smtClean="0"/>
-              <a:t>כ"ו/כסלו/תשפ"ג</a:t>
+              <a:t>כ"ז/כסלו/תשפ"ג</a:t>
             </a:fld>
             <a:endParaRPr lang="he-IL"/>
           </a:p>
@@ -2567,7 +2567,7 @@
           <a:p>
             <a:fld id="{7252F9F5-477A-4B20-84CE-30B0810F8384}" type="datetimeFigureOut">
               <a:rPr lang="he-IL" smtClean="0"/>
-              <a:t>כ"ו/כסלו/תשפ"ג</a:t>
+              <a:t>כ"ז/כסלו/תשפ"ג</a:t>
             </a:fld>
             <a:endParaRPr lang="he-IL"/>
           </a:p>
@@ -3452,7 +3452,15 @@
                   <a:schemeClr val="bg1"/>
                 </a:solidFill>
               </a:rPr>
-              <a:t>ניתן להפסיק בכל שלב את השתתפותך בניסוי. אך אנו נוכל להשתמש רק במידע מניסויים שהושלמו לצורך המחקר. משך הניסוי הצפוי </a:t>
+              <a:t>ניתן להפסיק בכל שלב את השתתפותך בניסוי. אך אנו נוכל להשתמש רק במידע מניסויים שהושלמו לצורך המחקר. משך הניסוי הצפוי הוא כ- </a:t>
+            </a:r>
+            <a:r>
+              <a:rPr lang="en-US">
+                <a:solidFill>
+                  <a:schemeClr val="bg1"/>
+                </a:solidFill>
+              </a:rPr>
+              <a:t>30</a:t>
             </a:r>
             <a:r>
               <a:rPr lang="he-IL">
@@ -3460,7 +3468,7 @@
                   <a:schemeClr val="bg1"/>
                 </a:solidFill>
               </a:rPr>
-              <a:t>הוא כ- 15 דקות</a:t>
+              <a:t> </a:t>
             </a:r>
             <a:r>
               <a:rPr lang="he-IL" dirty="0">
@@ -3468,7 +3476,7 @@
                   <a:schemeClr val="bg1"/>
                 </a:solidFill>
               </a:rPr>
-              <a:t>.</a:t>
+              <a:t>דקות.</a:t>
             </a:r>
             <a:endParaRPr lang="en-US" dirty="0">
               <a:solidFill>
